--- a/maple_01.pptx
+++ b/maple_01.pptx
@@ -120,6 +120,11 @@
       </a:defRPr>
     </a:lvl9pPr>
   </p:defaultTextStyle>
+  <p:extLst>
+    <p:ext uri="{EFAFB233-063F-42B5-8137-9DF3F51BA10A}">
+      <p15:sldGuideLst xmlns:p15="http://schemas.microsoft.com/office/powerpoint/2012/main"/>
+    </p:ext>
+  </p:extLst>
 </p:presentation>
 </file>
 
@@ -291,7 +296,7 @@
           <a:p>
             <a:fld id="{06B3E0BD-B8EA-4012-ABEE-4E46DAA9238C}" type="datetimeFigureOut">
               <a:rPr lang="zh-TW" altLang="en-US" smtClean="0"/>
-              <a:t>2016/4/30</a:t>
+              <a:t>2016/5/5</a:t>
             </a:fld>
             <a:endParaRPr lang="zh-TW" altLang="en-US"/>
           </a:p>
@@ -519,7 +524,7 @@
           <a:p>
             <a:fld id="{06B3E0BD-B8EA-4012-ABEE-4E46DAA9238C}" type="datetimeFigureOut">
               <a:rPr lang="zh-TW" altLang="en-US" smtClean="0"/>
-              <a:t>2016/4/30</a:t>
+              <a:t>2016/5/5</a:t>
             </a:fld>
             <a:endParaRPr lang="zh-TW" altLang="en-US"/>
           </a:p>
@@ -699,7 +704,7 @@
           <a:p>
             <a:fld id="{06B3E0BD-B8EA-4012-ABEE-4E46DAA9238C}" type="datetimeFigureOut">
               <a:rPr lang="zh-TW" altLang="en-US" smtClean="0"/>
-              <a:t>2016/4/30</a:t>
+              <a:t>2016/5/5</a:t>
             </a:fld>
             <a:endParaRPr lang="zh-TW" altLang="en-US"/>
           </a:p>
@@ -869,7 +874,7 @@
           <a:p>
             <a:fld id="{06B3E0BD-B8EA-4012-ABEE-4E46DAA9238C}" type="datetimeFigureOut">
               <a:rPr lang="zh-TW" altLang="en-US" smtClean="0"/>
-              <a:t>2016/4/30</a:t>
+              <a:t>2016/5/5</a:t>
             </a:fld>
             <a:endParaRPr lang="zh-TW" altLang="en-US"/>
           </a:p>
@@ -1123,7 +1128,7 @@
           <a:p>
             <a:fld id="{06B3E0BD-B8EA-4012-ABEE-4E46DAA9238C}" type="datetimeFigureOut">
               <a:rPr lang="zh-TW" altLang="en-US" smtClean="0"/>
-              <a:t>2016/4/30</a:t>
+              <a:t>2016/5/5</a:t>
             </a:fld>
             <a:endParaRPr lang="zh-TW" altLang="en-US"/>
           </a:p>
@@ -1449,7 +1454,7 @@
           <a:p>
             <a:fld id="{06B3E0BD-B8EA-4012-ABEE-4E46DAA9238C}" type="datetimeFigureOut">
               <a:rPr lang="zh-TW" altLang="en-US" smtClean="0"/>
-              <a:t>2016/4/30</a:t>
+              <a:t>2016/5/5</a:t>
             </a:fld>
             <a:endParaRPr lang="zh-TW" altLang="en-US"/>
           </a:p>
@@ -1900,7 +1905,7 @@
           <a:p>
             <a:fld id="{06B3E0BD-B8EA-4012-ABEE-4E46DAA9238C}" type="datetimeFigureOut">
               <a:rPr lang="zh-TW" altLang="en-US" smtClean="0"/>
-              <a:t>2016/4/30</a:t>
+              <a:t>2016/5/5</a:t>
             </a:fld>
             <a:endParaRPr lang="zh-TW" altLang="en-US"/>
           </a:p>
@@ -2018,7 +2023,7 @@
           <a:p>
             <a:fld id="{06B3E0BD-B8EA-4012-ABEE-4E46DAA9238C}" type="datetimeFigureOut">
               <a:rPr lang="zh-TW" altLang="en-US" smtClean="0"/>
-              <a:t>2016/4/30</a:t>
+              <a:t>2016/5/5</a:t>
             </a:fld>
             <a:endParaRPr lang="zh-TW" altLang="en-US"/>
           </a:p>
@@ -2113,7 +2118,7 @@
           <a:p>
             <a:fld id="{06B3E0BD-B8EA-4012-ABEE-4E46DAA9238C}" type="datetimeFigureOut">
               <a:rPr lang="zh-TW" altLang="en-US" smtClean="0"/>
-              <a:t>2016/4/30</a:t>
+              <a:t>2016/5/5</a:t>
             </a:fld>
             <a:endParaRPr lang="zh-TW" altLang="en-US"/>
           </a:p>
@@ -2400,7 +2405,7 @@
           <a:p>
             <a:fld id="{06B3E0BD-B8EA-4012-ABEE-4E46DAA9238C}" type="datetimeFigureOut">
               <a:rPr lang="zh-TW" altLang="en-US" smtClean="0"/>
-              <a:t>2016/4/30</a:t>
+              <a:t>2016/5/5</a:t>
             </a:fld>
             <a:endParaRPr lang="zh-TW" altLang="en-US"/>
           </a:p>
@@ -2725,7 +2730,7 @@
           <a:p>
             <a:fld id="{06B3E0BD-B8EA-4012-ABEE-4E46DAA9238C}" type="datetimeFigureOut">
               <a:rPr lang="zh-TW" altLang="en-US" smtClean="0"/>
-              <a:t>2016/4/30</a:t>
+              <a:t>2016/5/5</a:t>
             </a:fld>
             <a:endParaRPr lang="zh-TW" altLang="en-US"/>
           </a:p>
@@ -2979,7 +2984,7 @@
           <a:p>
             <a:fld id="{06B3E0BD-B8EA-4012-ABEE-4E46DAA9238C}" type="datetimeFigureOut">
               <a:rPr lang="zh-TW" altLang="en-US" smtClean="0"/>
-              <a:t>2016/4/30</a:t>
+              <a:t>2016/5/5</a:t>
             </a:fld>
             <a:endParaRPr lang="zh-TW" altLang="en-US"/>
           </a:p>
@@ -3479,8 +3484,8 @@
         </p:nvSpPr>
         <p:spPr>
           <a:xfrm>
-            <a:off x="1878842" y="150125"/>
-            <a:ext cx="8971128" cy="1951630"/>
+            <a:off x="1878842" y="436728"/>
+            <a:ext cx="8971128" cy="928048"/>
           </a:xfrm>
         </p:spPr>
         <p:txBody>
@@ -3562,6 +3567,36 @@
           </a:p>
         </p:txBody>
       </p:sp>
+      <p:pic>
+        <p:nvPicPr>
+          <p:cNvPr id="4" name="圖片 3"/>
+          <p:cNvPicPr>
+            <a:picLocks noChangeAspect="1"/>
+          </p:cNvPicPr>
+          <p:nvPr/>
+        </p:nvPicPr>
+        <p:blipFill>
+          <a:blip r:embed="rId2">
+            <a:extLst>
+              <a:ext uri="{28A0092B-C50C-407E-A947-70E740481C1C}">
+                <a14:useLocalDpi xmlns:a14="http://schemas.microsoft.com/office/drawing/2010/main" val="0"/>
+              </a:ext>
+            </a:extLst>
+          </a:blip>
+          <a:stretch>
+            <a:fillRect/>
+          </a:stretch>
+        </p:blipFill>
+        <p:spPr>
+          <a:xfrm>
+            <a:off x="2360854" y="1690285"/>
+            <a:ext cx="7602011" cy="4782217"/>
+          </a:xfrm>
+          <a:prstGeom prst="rect">
+            <a:avLst/>
+          </a:prstGeom>
+        </p:spPr>
+      </p:pic>
     </p:spTree>
     <p:extLst>
       <p:ext uri="{BB962C8B-B14F-4D97-AF65-F5344CB8AC3E}">
@@ -3663,17 +3698,23 @@
               <a:t>            </a:t>
             </a:r>
             <a:r>
-              <a:rPr lang="en-US" altLang="zh-TW" dirty="0" err="1"/>
-              <a:t>this.map</a:t>
+              <a:rPr lang="en-US" altLang="zh-TW" dirty="0" err="1">
+                <a:solidFill>
+                  <a:schemeClr val="accent2">
+                    <a:lumMod val="75000"/>
+                  </a:schemeClr>
+                </a:solidFill>
+              </a:rPr>
+              <a:t>this</a:t>
+            </a:r>
+            <a:r>
+              <a:rPr lang="en-US" altLang="zh-TW" dirty="0" err="1"/>
+              <a:t>.map</a:t>
             </a:r>
             <a:r>
               <a:rPr lang="en-US" altLang="zh-TW" dirty="0"/>
               <a:t> = map;</a:t>
             </a:r>
-            <a:r>
-              <a:rPr lang="en-US" altLang="zh-TW" dirty="0"/>
-              <a:t/>
-            </a:r>
             <a:br>
               <a:rPr lang="en-US" altLang="zh-TW" dirty="0"/>
             </a:br>
@@ -3689,10 +3730,6 @@
               <a:rPr lang="en-US" altLang="zh-TW" dirty="0"/>
               <a:t> = layer;</a:t>
             </a:r>
-            <a:r>
-              <a:rPr lang="en-US" altLang="zh-TW" dirty="0"/>
-              <a:t/>
-            </a:r>
             <a:br>
               <a:rPr lang="en-US" altLang="zh-TW" dirty="0"/>
             </a:br>
@@ -3708,10 +3745,6 @@
               <a:rPr lang="en-US" altLang="zh-TW" dirty="0"/>
               <a:t> = tiles;</a:t>
             </a:r>
-            <a:r>
-              <a:rPr lang="en-US" altLang="zh-TW" dirty="0"/>
-              <a:t/>
-            </a:r>
             <a:br>
               <a:rPr lang="en-US" altLang="zh-TW" dirty="0"/>
             </a:br>
@@ -3727,10 +3760,6 @@
               <a:rPr lang="en-US" altLang="zh-TW" dirty="0"/>
               <a:t> = player;</a:t>
             </a:r>
-            <a:r>
-              <a:rPr lang="en-US" altLang="zh-TW" dirty="0"/>
-              <a:t/>
-            </a:r>
             <a:br>
               <a:rPr lang="en-US" altLang="zh-TW" dirty="0"/>
             </a:br>
@@ -3746,10 +3775,6 @@
               <a:rPr lang="en-US" altLang="zh-TW" dirty="0"/>
               <a:t> = stars;</a:t>
             </a:r>
-            <a:r>
-              <a:rPr lang="en-US" altLang="zh-TW" dirty="0"/>
-              <a:t/>
-            </a:r>
             <a:br>
               <a:rPr lang="en-US" altLang="zh-TW" dirty="0"/>
             </a:br>
@@ -3773,10 +3798,6 @@
               <a:rPr lang="en-US" altLang="zh-TW" dirty="0"/>
               <a:t>;</a:t>
             </a:r>
-            <a:r>
-              <a:rPr lang="en-US" altLang="zh-TW" dirty="0"/>
-              <a:t/>
-            </a:r>
             <a:br>
               <a:rPr lang="en-US" altLang="zh-TW" dirty="0"/>
             </a:br>
@@ -3791,10 +3812,6 @@
             <a:r>
               <a:rPr lang="en-US" altLang="zh-TW" dirty="0"/>
               <a:t> = cursors;</a:t>
-            </a:r>
-            <a:r>
-              <a:rPr lang="en-US" altLang="zh-TW" dirty="0"/>
-              <a:t/>
             </a:r>
             <a:br>
               <a:rPr lang="en-US" altLang="zh-TW" dirty="0"/>
@@ -4165,7 +4182,17 @@
             </a:r>
             <a:r>
               <a:rPr lang="en-US" altLang="zh-TW" dirty="0" err="1"/>
-              <a:t>phaser.physics.arcade.collide</a:t>
+              <a:t>phaser.physics.</a:t>
+            </a:r>
+            <a:r>
+              <a:rPr lang="en-US" altLang="zh-TW" dirty="0" err="1">
+                <a:solidFill>
+                  <a:schemeClr val="accent2">
+                    <a:lumMod val="75000"/>
+                  </a:schemeClr>
+                </a:solidFill>
+              </a:rPr>
+              <a:t>arcade.collide</a:t>
             </a:r>
             <a:r>
               <a:rPr lang="en-US" altLang="zh-TW" dirty="0"/>
@@ -4324,7 +4351,7 @@
           <a:lstStyle/>
           <a:p>
             <a:r>
-              <a:rPr lang="en-US" altLang="zh-TW"/>
+              <a:rPr lang="en-US" altLang="zh-TW" dirty="0" err="1"/>
               <a:t>phaser.physics.arcade.overlap</a:t>
             </a:r>
             <a:r>
@@ -4332,13 +4359,28 @@
               <a:t>(player, stars, </a:t>
             </a:r>
             <a:r>
-              <a:rPr lang="en-US" altLang="zh-TW" dirty="0" err="1"/>
+              <a:rPr lang="en-US" altLang="zh-TW" dirty="0" err="1">
+                <a:solidFill>
+                  <a:schemeClr val="accent2">
+                    <a:lumMod val="75000"/>
+                  </a:schemeClr>
+                </a:solidFill>
+              </a:rPr>
               <a:t>this.collectStar</a:t>
             </a:r>
             <a:r>
               <a:rPr lang="en-US" altLang="zh-TW" dirty="0"/>
-              <a:t>, null, this);</a:t>
-            </a:r>
+              <a:t>, null, this</a:t>
+            </a:r>
+            <a:r>
+              <a:rPr lang="en-US" altLang="zh-TW" dirty="0" smtClean="0"/>
+              <a:t>);</a:t>
+            </a:r>
+          </a:p>
+          <a:p>
+            <a:endParaRPr lang="en-US" altLang="zh-TW" dirty="0"/>
+          </a:p>
+          <a:p>
             <a:endParaRPr lang="zh-TW" altLang="en-US" dirty="0"/>
           </a:p>
         </p:txBody>
@@ -4448,10 +4490,6 @@
               <a:rPr lang="en-US" altLang="zh-TW" dirty="0"/>
               <a:t> = 0;</a:t>
             </a:r>
-            <a:r>
-              <a:rPr lang="en-US" altLang="zh-TW" dirty="0"/>
-              <a:t/>
-            </a:r>
             <a:br>
               <a:rPr lang="en-US" altLang="zh-TW" dirty="0"/>
             </a:br>
@@ -4484,7 +4522,7 @@
             </a:r>
             <a:r>
               <a:rPr lang="zh-TW" altLang="en-US" dirty="0" smtClean="0"/>
-              <a:t>左鍵被按壓時的行為</a:t>
+              <a:t>左、右鍵被按壓時的行為</a:t>
             </a:r>
             <a:r>
               <a:rPr lang="en-US" altLang="zh-TW" dirty="0"/>
@@ -4601,10 +4639,6 @@
               <a:rPr lang="en-US" altLang="zh-TW" dirty="0"/>
               <a:t>();</a:t>
             </a:r>
-            <a:r>
-              <a:rPr lang="en-US" altLang="zh-TW" dirty="0"/>
-              <a:t/>
-            </a:r>
             <a:br>
               <a:rPr lang="en-US" altLang="zh-TW" dirty="0"/>
             </a:br>
@@ -4613,17 +4647,19 @@
               <a:t>                    if (</a:t>
             </a:r>
             <a:r>
-              <a:rPr lang="en-US" altLang="zh-TW" dirty="0" err="1"/>
+              <a:rPr lang="en-US" altLang="zh-TW" dirty="0" err="1">
+                <a:solidFill>
+                  <a:schemeClr val="accent2">
+                    <a:lumMod val="75000"/>
+                  </a:schemeClr>
+                </a:solidFill>
+              </a:rPr>
               <a:t>player.frame</a:t>
             </a:r>
             <a:r>
               <a:rPr lang="en-US" altLang="zh-TW" dirty="0"/>
               <a:t> &lt; 4) {</a:t>
             </a:r>
-            <a:r>
-              <a:rPr lang="en-US" altLang="zh-TW" dirty="0"/>
-              <a:t/>
-            </a:r>
             <a:br>
               <a:rPr lang="en-US" altLang="zh-TW" dirty="0"/>
             </a:br>
@@ -4639,10 +4675,6 @@
               <a:rPr lang="en-US" altLang="zh-TW" dirty="0"/>
               <a:t> = 0;</a:t>
             </a:r>
-            <a:r>
-              <a:rPr lang="en-US" altLang="zh-TW" dirty="0"/>
-              <a:t/>
-            </a:r>
             <a:br>
               <a:rPr lang="en-US" altLang="zh-TW" dirty="0"/>
             </a:br>
@@ -4650,10 +4682,6 @@
               <a:rPr lang="en-US" altLang="zh-TW" dirty="0"/>
               <a:t>                    }</a:t>
             </a:r>
-            <a:r>
-              <a:rPr lang="en-US" altLang="zh-TW" dirty="0"/>
-              <a:t/>
-            </a:r>
             <a:br>
               <a:rPr lang="en-US" altLang="zh-TW" dirty="0"/>
             </a:br>
@@ -4661,10 +4689,6 @@
               <a:rPr lang="en-US" altLang="zh-TW" dirty="0"/>
               <a:t>                }</a:t>
             </a:r>
-            <a:r>
-              <a:rPr lang="en-US" altLang="zh-TW" dirty="0"/>
-              <a:t/>
-            </a:r>
             <a:br>
               <a:rPr lang="en-US" altLang="zh-TW" dirty="0"/>
             </a:br>
@@ -4672,10 +4696,6 @@
               <a:rPr lang="en-US" altLang="zh-TW" dirty="0"/>
               <a:t>            }</a:t>
             </a:r>
-            <a:r>
-              <a:rPr lang="en-US" altLang="zh-TW" dirty="0"/>
-              <a:t/>
-            </a:r>
             <a:br>
               <a:rPr lang="en-US" altLang="zh-TW" dirty="0"/>
             </a:br>
@@ -4690,10 +4710,6 @@
             <a:r>
               <a:rPr lang="en-US" altLang="zh-TW" dirty="0"/>
               <a:t>)</a:t>
-            </a:r>
-            <a:r>
-              <a:rPr lang="en-US" altLang="zh-TW" dirty="0"/>
-              <a:t/>
             </a:r>
             <a:br>
               <a:rPr lang="en-US" altLang="zh-TW" dirty="0"/>
@@ -4771,10 +4787,6 @@
               <a:rPr lang="en-US" altLang="zh-TW" dirty="0"/>
               <a:t>) {</a:t>
             </a:r>
-            <a:r>
-              <a:rPr lang="en-US" altLang="zh-TW" dirty="0"/>
-              <a:t/>
-            </a:r>
             <a:br>
               <a:rPr lang="en-US" altLang="zh-TW" dirty="0"/>
             </a:br>
@@ -4790,10 +4802,6 @@
               <a:rPr lang="en-US" altLang="zh-TW" dirty="0"/>
               <a:t>();</a:t>
             </a:r>
-            <a:r>
-              <a:rPr lang="en-US" altLang="zh-TW" dirty="0"/>
-              <a:t/>
-            </a:r>
             <a:br>
               <a:rPr lang="en-US" altLang="zh-TW" dirty="0"/>
             </a:br>
@@ -4809,10 +4817,6 @@
               <a:rPr lang="en-US" altLang="zh-TW" dirty="0"/>
               <a:t> &gt;= 4) {</a:t>
             </a:r>
-            <a:r>
-              <a:rPr lang="en-US" altLang="zh-TW" dirty="0"/>
-              <a:t/>
-            </a:r>
             <a:br>
               <a:rPr lang="en-US" altLang="zh-TW" dirty="0"/>
             </a:br>
@@ -4828,10 +4832,6 @@
               <a:rPr lang="en-US" altLang="zh-TW" dirty="0"/>
               <a:t> = 8;</a:t>
             </a:r>
-            <a:r>
-              <a:rPr lang="en-US" altLang="zh-TW" dirty="0"/>
-              <a:t/>
-            </a:r>
             <a:br>
               <a:rPr lang="en-US" altLang="zh-TW" dirty="0"/>
             </a:br>
@@ -4839,10 +4839,6 @@
               <a:rPr lang="en-US" altLang="zh-TW" dirty="0"/>
               <a:t>                    }</a:t>
             </a:r>
-            <a:r>
-              <a:rPr lang="en-US" altLang="zh-TW" dirty="0"/>
-              <a:t/>
-            </a:r>
             <a:br>
               <a:rPr lang="en-US" altLang="zh-TW" dirty="0"/>
             </a:br>
@@ -4850,20 +4846,12 @@
               <a:rPr lang="en-US" altLang="zh-TW" dirty="0"/>
               <a:t>                }</a:t>
             </a:r>
-            <a:r>
-              <a:rPr lang="en-US" altLang="zh-TW" dirty="0"/>
-              <a:t/>
-            </a:r>
             <a:br>
               <a:rPr lang="en-US" altLang="zh-TW" dirty="0"/>
             </a:br>
             <a:r>
               <a:rPr lang="en-US" altLang="zh-TW" dirty="0"/>
               <a:t>            }</a:t>
-            </a:r>
-            <a:r>
-              <a:rPr lang="en-US" altLang="zh-TW" dirty="0"/>
-              <a:t/>
             </a:r>
             <a:br>
               <a:rPr lang="en-US" altLang="zh-TW" dirty="0"/>
@@ -5001,20 +4989,12 @@
               <a:rPr lang="en-US" altLang="zh-TW" dirty="0"/>
               <a:t>            else</a:t>
             </a:r>
-            <a:r>
-              <a:rPr lang="en-US" altLang="zh-TW" dirty="0"/>
-              <a:t/>
-            </a:r>
             <a:br>
               <a:rPr lang="en-US" altLang="zh-TW" dirty="0"/>
             </a:br>
             <a:r>
               <a:rPr lang="en-US" altLang="zh-TW" dirty="0"/>
               <a:t>            {</a:t>
-            </a:r>
-            <a:r>
-              <a:rPr lang="en-US" altLang="zh-TW" dirty="0"/>
-              <a:t/>
             </a:r>
             <a:br>
               <a:rPr lang="en-US" altLang="zh-TW" dirty="0"/>
@@ -5050,10 +5030,6 @@
               <a:rPr lang="en-US" altLang="zh-TW" dirty="0"/>
               <a:t>();</a:t>
             </a:r>
-            <a:r>
-              <a:rPr lang="en-US" altLang="zh-TW" dirty="0"/>
-              <a:t/>
-            </a:r>
             <a:br>
               <a:rPr lang="en-US" altLang="zh-TW" dirty="0"/>
             </a:br>
@@ -5069,10 +5045,6 @@
               <a:rPr lang="en-US" altLang="zh-TW" dirty="0"/>
               <a:t> &lt; 4) {</a:t>
             </a:r>
-            <a:r>
-              <a:rPr lang="en-US" altLang="zh-TW" dirty="0"/>
-              <a:t/>
-            </a:r>
             <a:br>
               <a:rPr lang="en-US" altLang="zh-TW" dirty="0"/>
             </a:br>
@@ -5088,10 +5060,6 @@
               <a:rPr lang="en-US" altLang="zh-TW" dirty="0"/>
               <a:t> = 3;</a:t>
             </a:r>
-            <a:r>
-              <a:rPr lang="en-US" altLang="zh-TW" dirty="0"/>
-              <a:t/>
-            </a:r>
             <a:br>
               <a:rPr lang="en-US" altLang="zh-TW" dirty="0"/>
             </a:br>
@@ -5099,10 +5067,6 @@
               <a:rPr lang="en-US" altLang="zh-TW" dirty="0"/>
               <a:t>                }</a:t>
             </a:r>
-            <a:r>
-              <a:rPr lang="en-US" altLang="zh-TW" dirty="0"/>
-              <a:t/>
-            </a:r>
             <a:br>
               <a:rPr lang="en-US" altLang="zh-TW" dirty="0"/>
             </a:br>
@@ -5118,10 +5082,6 @@
               <a:rPr lang="en-US" altLang="zh-TW" dirty="0"/>
               <a:t> &gt;= 4) {</a:t>
             </a:r>
-            <a:r>
-              <a:rPr lang="en-US" altLang="zh-TW" dirty="0"/>
-              <a:t/>
-            </a:r>
             <a:br>
               <a:rPr lang="en-US" altLang="zh-TW" dirty="0"/>
             </a:br>
@@ -5137,10 +5097,6 @@
               <a:rPr lang="en-US" altLang="zh-TW" dirty="0"/>
               <a:t> = 5;</a:t>
             </a:r>
-            <a:r>
-              <a:rPr lang="en-US" altLang="zh-TW" dirty="0"/>
-              <a:t/>
-            </a:r>
             <a:br>
               <a:rPr lang="en-US" altLang="zh-TW" dirty="0"/>
             </a:br>
@@ -5148,20 +5104,12 @@
               <a:rPr lang="en-US" altLang="zh-TW" dirty="0"/>
               <a:t>                }</a:t>
             </a:r>
-            <a:r>
-              <a:rPr lang="en-US" altLang="zh-TW" dirty="0"/>
-              <a:t/>
-            </a:r>
             <a:br>
               <a:rPr lang="en-US" altLang="zh-TW" dirty="0"/>
             </a:br>
             <a:r>
               <a:rPr lang="en-US" altLang="zh-TW" dirty="0"/>
               <a:t>            }</a:t>
-            </a:r>
-            <a:r>
-              <a:rPr lang="en-US" altLang="zh-TW" dirty="0"/>
-              <a:t/>
             </a:r>
             <a:br>
               <a:rPr lang="en-US" altLang="zh-TW" dirty="0"/>
@@ -5209,10 +5157,6 @@
               <a:rPr lang="en-US" altLang="zh-TW" dirty="0"/>
               <a:t>)</a:t>
             </a:r>
-            <a:r>
-              <a:rPr lang="en-US" altLang="zh-TW" dirty="0"/>
-              <a:t/>
-            </a:r>
             <a:br>
               <a:rPr lang="en-US" altLang="zh-TW" dirty="0"/>
             </a:br>
@@ -5220,10 +5164,6 @@
               <a:rPr lang="en-US" altLang="zh-TW" dirty="0"/>
               <a:t>            {</a:t>
             </a:r>
-            <a:r>
-              <a:rPr lang="en-US" altLang="zh-TW" dirty="0"/>
-              <a:t/>
-            </a:r>
             <a:br>
               <a:rPr lang="en-US" altLang="zh-TW" dirty="0"/>
             </a:br>
@@ -5238,10 +5178,6 @@
             <a:r>
               <a:rPr lang="en-US" altLang="zh-TW" dirty="0"/>
               <a:t> = -720;</a:t>
-            </a:r>
-            <a:r>
-              <a:rPr lang="en-US" altLang="zh-TW" dirty="0"/>
-              <a:t/>
             </a:r>
             <a:br>
               <a:rPr lang="en-US" altLang="zh-TW" dirty="0"/>
@@ -5367,10 +5303,6 @@
               <a:rPr lang="en-US" altLang="zh-TW" dirty="0"/>
               <a:t> &gt;  350) {</a:t>
             </a:r>
-            <a:r>
-              <a:rPr lang="en-US" altLang="zh-TW" dirty="0"/>
-              <a:t/>
-            </a:r>
             <a:br>
               <a:rPr lang="en-US" altLang="zh-TW" dirty="0"/>
             </a:br>
@@ -5386,10 +5318,6 @@
               <a:rPr lang="en-US" altLang="zh-TW" dirty="0"/>
               <a:t> = -100;</a:t>
             </a:r>
-            <a:r>
-              <a:rPr lang="en-US" altLang="zh-TW" dirty="0"/>
-              <a:t/>
-            </a:r>
             <a:br>
               <a:rPr lang="en-US" altLang="zh-TW" dirty="0"/>
             </a:br>
@@ -5405,10 +5333,6 @@
               <a:rPr lang="en-US" altLang="zh-TW" dirty="0"/>
               <a:t>('left');</a:t>
             </a:r>
-            <a:r>
-              <a:rPr lang="en-US" altLang="zh-TW" dirty="0"/>
-              <a:t/>
-            </a:r>
             <a:br>
               <a:rPr lang="en-US" altLang="zh-TW" dirty="0"/>
             </a:br>
@@ -5416,10 +5340,6 @@
               <a:rPr lang="en-US" altLang="zh-TW" dirty="0"/>
               <a:t>            }</a:t>
             </a:r>
-            <a:r>
-              <a:rPr lang="en-US" altLang="zh-TW" dirty="0"/>
-              <a:t/>
-            </a:r>
             <a:br>
               <a:rPr lang="en-US" altLang="zh-TW" dirty="0"/>
             </a:br>
@@ -5435,10 +5355,6 @@
               <a:rPr lang="en-US" altLang="zh-TW" dirty="0"/>
               <a:t> &lt; 180) {</a:t>
             </a:r>
-            <a:r>
-              <a:rPr lang="en-US" altLang="zh-TW" dirty="0"/>
-              <a:t/>
-            </a:r>
             <a:br>
               <a:rPr lang="en-US" altLang="zh-TW" dirty="0"/>
             </a:br>
@@ -5454,10 +5370,6 @@
               <a:rPr lang="en-US" altLang="zh-TW" dirty="0"/>
               <a:t> = 100;</a:t>
             </a:r>
-            <a:r>
-              <a:rPr lang="en-US" altLang="zh-TW" dirty="0"/>
-              <a:t/>
-            </a:r>
             <a:br>
               <a:rPr lang="en-US" altLang="zh-TW" dirty="0"/>
             </a:br>
@@ -5472,10 +5384,6 @@
             <a:r>
               <a:rPr lang="en-US" altLang="zh-TW" dirty="0"/>
               <a:t>('right');</a:t>
-            </a:r>
-            <a:r>
-              <a:rPr lang="en-US" altLang="zh-TW" dirty="0"/>
-              <a:t/>
             </a:r>
             <a:br>
               <a:rPr lang="en-US" altLang="zh-TW" dirty="0"/>
@@ -5606,6 +5514,116 @@
               <a:rPr lang="en-US" altLang="zh-TW" dirty="0"/>
               <a:t>: function(player, star){</a:t>
             </a:r>
+            <a:br>
+              <a:rPr lang="en-US" altLang="zh-TW" dirty="0"/>
+            </a:br>
+            <a:r>
+              <a:rPr lang="en-US" altLang="zh-TW" dirty="0"/>
+              <a:t>            </a:t>
+            </a:r>
+            <a:r>
+              <a:rPr lang="en-US" altLang="zh-TW" dirty="0" err="1"/>
+              <a:t>var</a:t>
+            </a:r>
+            <a:r>
+              <a:rPr lang="en-US" altLang="zh-TW" dirty="0"/>
+              <a:t> </a:t>
+            </a:r>
+            <a:r>
+              <a:rPr lang="en-US" altLang="zh-TW" dirty="0" err="1"/>
+              <a:t>phaser</a:t>
+            </a:r>
+            <a:r>
+              <a:rPr lang="en-US" altLang="zh-TW" dirty="0"/>
+              <a:t> = </a:t>
+            </a:r>
+            <a:r>
+              <a:rPr lang="en-US" altLang="zh-TW" dirty="0" err="1"/>
+              <a:t>this.phaser</a:t>
+            </a:r>
+            <a:r>
+              <a:rPr lang="en-US" altLang="zh-TW" dirty="0"/>
+              <a:t>;</a:t>
+            </a:r>
+            <a:br>
+              <a:rPr lang="en-US" altLang="zh-TW" dirty="0"/>
+            </a:br>
+            <a:r>
+              <a:rPr lang="en-US" altLang="zh-TW" dirty="0"/>
+              <a:t>            // </a:t>
+            </a:r>
+            <a:r>
+              <a:rPr lang="en-US" altLang="zh-TW" dirty="0" err="1"/>
+              <a:t>var</a:t>
+            </a:r>
+            <a:r>
+              <a:rPr lang="en-US" altLang="zh-TW" dirty="0"/>
+              <a:t> star = </a:t>
+            </a:r>
+            <a:r>
+              <a:rPr lang="en-US" altLang="zh-TW" dirty="0" err="1"/>
+              <a:t>this.star</a:t>
+            </a:r>
+            <a:r>
+              <a:rPr lang="en-US" altLang="zh-TW" dirty="0"/>
+              <a:t>;</a:t>
+            </a:r>
+            <a:br>
+              <a:rPr lang="en-US" altLang="zh-TW" dirty="0"/>
+            </a:br>
+            <a:r>
+              <a:rPr lang="en-US" altLang="zh-TW" dirty="0"/>
+              <a:t>            </a:t>
+            </a:r>
+            <a:r>
+              <a:rPr lang="en-US" altLang="zh-TW" dirty="0" err="1"/>
+              <a:t>var</a:t>
+            </a:r>
+            <a:r>
+              <a:rPr lang="en-US" altLang="zh-TW" dirty="0"/>
+              <a:t> </a:t>
+            </a:r>
+            <a:r>
+              <a:rPr lang="en-US" altLang="zh-TW" dirty="0" err="1"/>
+              <a:t>scoreText</a:t>
+            </a:r>
+            <a:r>
+              <a:rPr lang="en-US" altLang="zh-TW" dirty="0"/>
+              <a:t> = </a:t>
+            </a:r>
+            <a:r>
+              <a:rPr lang="en-US" altLang="zh-TW" dirty="0" err="1"/>
+              <a:t>this.scoreText</a:t>
+            </a:r>
+            <a:r>
+              <a:rPr lang="en-US" altLang="zh-TW" dirty="0"/>
+              <a:t>;</a:t>
+            </a:r>
+            <a:br>
+              <a:rPr lang="en-US" altLang="zh-TW" dirty="0"/>
+            </a:br>
+            <a:r>
+              <a:rPr lang="en-US" altLang="zh-TW" dirty="0"/>
+              <a:t>            // Removes the star from the screen</a:t>
+            </a:r>
+            <a:br>
+              <a:rPr lang="en-US" altLang="zh-TW" dirty="0"/>
+            </a:br>
+            <a:r>
+              <a:rPr lang="en-US" altLang="zh-TW" dirty="0"/>
+              <a:t>            </a:t>
+            </a:r>
+            <a:r>
+              <a:rPr lang="en-US" altLang="zh-TW" dirty="0" err="1"/>
+              <a:t>star.kill</a:t>
+            </a:r>
+            <a:r>
+              <a:rPr lang="en-US" altLang="zh-TW" dirty="0"/>
+              <a:t>();</a:t>
+            </a:r>
+            <a:br>
+              <a:rPr lang="en-US" altLang="zh-TW" dirty="0"/>
+            </a:br>
             <a:r>
               <a:rPr lang="en-US" altLang="zh-TW" dirty="0"/>
               <a:t/>
@@ -5615,32 +5633,49 @@
             </a:br>
             <a:r>
               <a:rPr lang="en-US" altLang="zh-TW" dirty="0"/>
+              <a:t>            //  Add and update the score</a:t>
+            </a:r>
+            <a:br>
+              <a:rPr lang="en-US" altLang="zh-TW" dirty="0"/>
+            </a:br>
+            <a:r>
+              <a:rPr lang="en-US" altLang="zh-TW" dirty="0"/>
               <a:t>            </a:t>
             </a:r>
             <a:r>
               <a:rPr lang="en-US" altLang="zh-TW" dirty="0" err="1"/>
-              <a:t>var</a:t>
-            </a:r>
-            <a:r>
-              <a:rPr lang="en-US" altLang="zh-TW" dirty="0"/>
-              <a:t> </a:t>
-            </a:r>
-            <a:r>
-              <a:rPr lang="en-US" altLang="zh-TW" dirty="0" err="1"/>
-              <a:t>phaser</a:t>
-            </a:r>
-            <a:r>
-              <a:rPr lang="en-US" altLang="zh-TW" dirty="0"/>
-              <a:t> = </a:t>
-            </a:r>
-            <a:r>
-              <a:rPr lang="en-US" altLang="zh-TW" dirty="0" err="1"/>
-              <a:t>this.phaser</a:t>
+              <a:t>this.score</a:t>
+            </a:r>
+            <a:r>
+              <a:rPr lang="en-US" altLang="zh-TW" dirty="0"/>
+              <a:t> += 10;</a:t>
+            </a:r>
+            <a:br>
+              <a:rPr lang="en-US" altLang="zh-TW" dirty="0"/>
+            </a:br>
+            <a:r>
+              <a:rPr lang="en-US" altLang="zh-TW" dirty="0"/>
+              <a:t>            </a:t>
+            </a:r>
+            <a:r>
+              <a:rPr lang="en-US" altLang="zh-TW" dirty="0" err="1"/>
+              <a:t>scoreText.text</a:t>
+            </a:r>
+            <a:r>
+              <a:rPr lang="en-US" altLang="zh-TW" dirty="0"/>
+              <a:t> = 'Score: ' + </a:t>
+            </a:r>
+            <a:r>
+              <a:rPr lang="en-US" altLang="zh-TW" dirty="0" err="1"/>
+              <a:t>this.score</a:t>
             </a:r>
             <a:r>
               <a:rPr lang="en-US" altLang="zh-TW" dirty="0"/>
               <a:t>;</a:t>
             </a:r>
+            <a:br>
+              <a:rPr lang="en-US" altLang="zh-TW" dirty="0"/>
+            </a:br>
             <a:r>
               <a:rPr lang="en-US" altLang="zh-TW" dirty="0"/>
               <a:t/>
@@ -5650,174 +5685,7 @@
             </a:br>
             <a:r>
               <a:rPr lang="en-US" altLang="zh-TW" dirty="0"/>
-              <a:t>            // </a:t>
-            </a:r>
-            <a:r>
-              <a:rPr lang="en-US" altLang="zh-TW" dirty="0" err="1"/>
-              <a:t>var</a:t>
-            </a:r>
-            <a:r>
-              <a:rPr lang="en-US" altLang="zh-TW" dirty="0"/>
-              <a:t> star = </a:t>
-            </a:r>
-            <a:r>
-              <a:rPr lang="en-US" altLang="zh-TW" dirty="0" err="1"/>
-              <a:t>this.star</a:t>
-            </a:r>
-            <a:r>
-              <a:rPr lang="en-US" altLang="zh-TW" dirty="0"/>
-              <a:t>;</a:t>
-            </a:r>
-            <a:r>
-              <a:rPr lang="en-US" altLang="zh-TW" dirty="0"/>
-              <a:t/>
-            </a:r>
-            <a:br>
-              <a:rPr lang="en-US" altLang="zh-TW" dirty="0"/>
-            </a:br>
-            <a:r>
-              <a:rPr lang="en-US" altLang="zh-TW" dirty="0"/>
-              <a:t>            </a:t>
-            </a:r>
-            <a:r>
-              <a:rPr lang="en-US" altLang="zh-TW" dirty="0" err="1"/>
-              <a:t>var</a:t>
-            </a:r>
-            <a:r>
-              <a:rPr lang="en-US" altLang="zh-TW" dirty="0"/>
-              <a:t> </a:t>
-            </a:r>
-            <a:r>
-              <a:rPr lang="en-US" altLang="zh-TW" dirty="0" err="1"/>
-              <a:t>scoreText</a:t>
-            </a:r>
-            <a:r>
-              <a:rPr lang="en-US" altLang="zh-TW" dirty="0"/>
-              <a:t> = </a:t>
-            </a:r>
-            <a:r>
-              <a:rPr lang="en-US" altLang="zh-TW" dirty="0" err="1"/>
-              <a:t>this.scoreText</a:t>
-            </a:r>
-            <a:r>
-              <a:rPr lang="en-US" altLang="zh-TW" dirty="0"/>
-              <a:t>;</a:t>
-            </a:r>
-            <a:r>
-              <a:rPr lang="en-US" altLang="zh-TW" dirty="0"/>
-              <a:t/>
-            </a:r>
-            <a:br>
-              <a:rPr lang="en-US" altLang="zh-TW" dirty="0"/>
-            </a:br>
-            <a:r>
-              <a:rPr lang="en-US" altLang="zh-TW" dirty="0"/>
-              <a:t>            // Removes the star from the screen</a:t>
-            </a:r>
-            <a:r>
-              <a:rPr lang="en-US" altLang="zh-TW" dirty="0"/>
-              <a:t/>
-            </a:r>
-            <a:br>
-              <a:rPr lang="en-US" altLang="zh-TW" dirty="0"/>
-            </a:br>
-            <a:r>
-              <a:rPr lang="en-US" altLang="zh-TW" dirty="0"/>
-              <a:t>            </a:t>
-            </a:r>
-            <a:r>
-              <a:rPr lang="en-US" altLang="zh-TW" dirty="0" err="1"/>
-              <a:t>star.kill</a:t>
-            </a:r>
-            <a:r>
-              <a:rPr lang="en-US" altLang="zh-TW" dirty="0"/>
-              <a:t>();</a:t>
-            </a:r>
-            <a:r>
-              <a:rPr lang="en-US" altLang="zh-TW" dirty="0"/>
-              <a:t/>
-            </a:r>
-            <a:br>
-              <a:rPr lang="en-US" altLang="zh-TW" dirty="0"/>
-            </a:br>
-            <a:r>
-              <a:rPr lang="en-US" altLang="zh-TW" dirty="0"/>
-              <a:t/>
-            </a:r>
-            <a:br>
-              <a:rPr lang="en-US" altLang="zh-TW" dirty="0"/>
-            </a:br>
-            <a:r>
-              <a:rPr lang="en-US" altLang="zh-TW" dirty="0"/>
-              <a:t>            //  Add and update the score</a:t>
-            </a:r>
-            <a:r>
-              <a:rPr lang="en-US" altLang="zh-TW" dirty="0"/>
-              <a:t/>
-            </a:r>
-            <a:br>
-              <a:rPr lang="en-US" altLang="zh-TW" dirty="0"/>
-            </a:br>
-            <a:r>
-              <a:rPr lang="en-US" altLang="zh-TW" dirty="0"/>
-              <a:t>            </a:t>
-            </a:r>
-            <a:r>
-              <a:rPr lang="en-US" altLang="zh-TW" dirty="0" err="1"/>
-              <a:t>this.score</a:t>
-            </a:r>
-            <a:r>
-              <a:rPr lang="en-US" altLang="zh-TW" dirty="0"/>
-              <a:t> += 10;</a:t>
-            </a:r>
-            <a:r>
-              <a:rPr lang="en-US" altLang="zh-TW" dirty="0"/>
-              <a:t/>
-            </a:r>
-            <a:br>
-              <a:rPr lang="en-US" altLang="zh-TW" dirty="0"/>
-            </a:br>
-            <a:r>
-              <a:rPr lang="en-US" altLang="zh-TW" dirty="0"/>
-              <a:t>            </a:t>
-            </a:r>
-            <a:r>
-              <a:rPr lang="en-US" altLang="zh-TW" dirty="0" err="1"/>
-              <a:t>scoreText.text</a:t>
-            </a:r>
-            <a:r>
-              <a:rPr lang="en-US" altLang="zh-TW" dirty="0"/>
-              <a:t> = 'Score: ' + </a:t>
-            </a:r>
-            <a:r>
-              <a:rPr lang="en-US" altLang="zh-TW" dirty="0" err="1"/>
-              <a:t>this.score</a:t>
-            </a:r>
-            <a:r>
-              <a:rPr lang="en-US" altLang="zh-TW" dirty="0"/>
-              <a:t>;</a:t>
-            </a:r>
-            <a:r>
-              <a:rPr lang="en-US" altLang="zh-TW" dirty="0"/>
-              <a:t/>
-            </a:r>
-            <a:br>
-              <a:rPr lang="en-US" altLang="zh-TW" dirty="0"/>
-            </a:br>
-            <a:r>
-              <a:rPr lang="en-US" altLang="zh-TW" dirty="0"/>
-              <a:t/>
-            </a:r>
-            <a:br>
-              <a:rPr lang="en-US" altLang="zh-TW" dirty="0"/>
-            </a:br>
-            <a:r>
-              <a:rPr lang="en-US" altLang="zh-TW" dirty="0"/>
               <a:t>          }</a:t>
-            </a:r>
-            <a:r>
-              <a:rPr lang="en-US" altLang="zh-TW" dirty="0"/>
-              <a:t/>
             </a:r>
             <a:br>
               <a:rPr lang="en-US" altLang="zh-TW" dirty="0"/>
@@ -6085,17 +5953,19 @@
                 <a:latin typeface="Yu Gothic UI Semibold" panose="020B0700000000000000" pitchFamily="34" charset="-128"/>
                 <a:ea typeface="Yu Gothic UI Semibold" panose="020B0700000000000000" pitchFamily="34" charset="-128"/>
               </a:rPr>
-              <a:t>          </a:t>
+              <a:t>        </a:t>
             </a:r>
             <a:r>
               <a:rPr lang="en-US" altLang="zh-TW" dirty="0" smtClean="0">
                 <a:solidFill>
-                  <a:srgbClr val="FF0000"/>
+                  <a:schemeClr val="accent2">
+                    <a:lumMod val="75000"/>
+                  </a:schemeClr>
                 </a:solidFill>
                 <a:latin typeface="Yu Gothic UI Semibold" panose="020B0700000000000000" pitchFamily="34" charset="-128"/>
                 <a:ea typeface="Yu Gothic UI Semibold" panose="020B0700000000000000" pitchFamily="34" charset="-128"/>
               </a:rPr>
-              <a:t>preload</a:t>
+              <a:t>  preload</a:t>
             </a:r>
             <a:r>
               <a:rPr lang="en-US" altLang="zh-TW" dirty="0" smtClean="0">
@@ -6201,7 +6071,9 @@
             <a:r>
               <a:rPr lang="en-US" altLang="zh-TW" dirty="0" smtClean="0">
                 <a:solidFill>
-                  <a:srgbClr val="FF0000"/>
+                  <a:schemeClr val="accent2">
+                    <a:lumMod val="75000"/>
+                  </a:schemeClr>
                 </a:solidFill>
                 <a:latin typeface="Yu Gothic UI Semibold" panose="020B0700000000000000" pitchFamily="34" charset="-128"/>
                 <a:ea typeface="Yu Gothic UI Semibold" panose="020B0700000000000000" pitchFamily="34" charset="-128"/>
@@ -6312,7 +6184,9 @@
             <a:r>
               <a:rPr lang="en-US" altLang="zh-TW" dirty="0" smtClean="0">
                 <a:solidFill>
-                  <a:srgbClr val="FF0000"/>
+                  <a:schemeClr val="accent2">
+                    <a:lumMod val="75000"/>
+                  </a:schemeClr>
                 </a:solidFill>
                 <a:latin typeface="Yu Gothic UI Semibold" panose="020B0700000000000000" pitchFamily="34" charset="-128"/>
                 <a:ea typeface="Yu Gothic UI Semibold" panose="020B0700000000000000" pitchFamily="34" charset="-128"/>
@@ -6620,10 +6494,6 @@
               <a:rPr lang="en-US" altLang="zh-TW" dirty="0"/>
               <a:t>('baddie', 'assets/baddie.png', 32, 32);  </a:t>
             </a:r>
-            <a:r>
-              <a:rPr lang="en-US" altLang="zh-TW" dirty="0"/>
-              <a:t/>
-            </a:r>
             <a:br>
               <a:rPr lang="en-US" altLang="zh-TW" dirty="0"/>
             </a:br>
@@ -6662,10 +6532,6 @@
             <a:r>
               <a:rPr lang="en-US" altLang="zh-TW" dirty="0"/>
               <a:t>);</a:t>
-            </a:r>
-            <a:r>
-              <a:rPr lang="en-US" altLang="zh-TW" dirty="0"/>
-              <a:t/>
             </a:r>
             <a:br>
               <a:rPr lang="en-US" altLang="zh-TW" dirty="0"/>
@@ -6845,7 +6711,17 @@
           <a:p>
             <a:r>
               <a:rPr lang="en-US" altLang="zh-TW" sz="3200" dirty="0" err="1"/>
-              <a:t>phaser.physics.startSystem</a:t>
+              <a:t>phaser.physics.</a:t>
+            </a:r>
+            <a:r>
+              <a:rPr lang="en-US" altLang="zh-TW" sz="3200" dirty="0" err="1">
+                <a:solidFill>
+                  <a:schemeClr val="accent2">
+                    <a:lumMod val="75000"/>
+                  </a:schemeClr>
+                </a:solidFill>
+              </a:rPr>
+              <a:t>startSystem</a:t>
             </a:r>
             <a:r>
               <a:rPr lang="en-US" altLang="zh-TW" sz="3200" dirty="0"/>
@@ -6979,7 +6855,7 @@
         <p:spPr>
           <a:xfrm>
             <a:off x="1261872" y="1201003"/>
-            <a:ext cx="9418320" cy="5291237"/>
+            <a:ext cx="10930128" cy="5291237"/>
           </a:xfrm>
         </p:spPr>
         <p:txBody>
@@ -6989,101 +6865,6 @@
           <a:lstStyle/>
           <a:p>
             <a:r>
-              <a:rPr lang="en-US" altLang="zh-TW" dirty="0"/>
-              <a:t/>
-            </a:r>
-            <a:br>
-              <a:rPr lang="en-US" altLang="zh-TW" dirty="0"/>
-            </a:br>
-            <a:r>
-              <a:rPr lang="en-US" altLang="zh-TW" dirty="0"/>
-              <a:t>            </a:t>
-            </a:r>
-            <a:r>
-              <a:rPr lang="en-US" altLang="zh-TW" dirty="0" err="1"/>
-              <a:t>var</a:t>
-            </a:r>
-            <a:r>
-              <a:rPr lang="en-US" altLang="zh-TW" dirty="0"/>
-              <a:t> background = </a:t>
-            </a:r>
-            <a:r>
-              <a:rPr lang="en-US" altLang="zh-TW" dirty="0" err="1"/>
-              <a:t>phaser.add.sprite</a:t>
-            </a:r>
-            <a:r>
-              <a:rPr lang="en-US" altLang="zh-TW" dirty="0"/>
-              <a:t>(0, 0, 'sky');</a:t>
-            </a:r>
-            <a:r>
-              <a:rPr lang="en-US" altLang="zh-TW" dirty="0"/>
-              <a:t/>
-            </a:r>
-            <a:br>
-              <a:rPr lang="en-US" altLang="zh-TW" dirty="0"/>
-            </a:br>
-            <a:r>
-              <a:rPr lang="en-US" altLang="zh-TW" dirty="0"/>
-              <a:t>            // </a:t>
-            </a:r>
-            <a:r>
-              <a:rPr lang="en-US" altLang="zh-TW" dirty="0" err="1"/>
-              <a:t>background.height</a:t>
-            </a:r>
-            <a:r>
-              <a:rPr lang="en-US" altLang="zh-TW" dirty="0"/>
-              <a:t> = </a:t>
-            </a:r>
-            <a:r>
-              <a:rPr lang="en-US" altLang="zh-TW" dirty="0" err="1"/>
-              <a:t>layer.height</a:t>
-            </a:r>
-            <a:r>
-              <a:rPr lang="en-US" altLang="zh-TW" dirty="0"/>
-              <a:t/>
-            </a:r>
-            <a:br>
-              <a:rPr lang="en-US" altLang="zh-TW" dirty="0"/>
-            </a:br>
-            <a:r>
-              <a:rPr lang="en-US" altLang="zh-TW" dirty="0"/>
-              <a:t>            // </a:t>
-            </a:r>
-            <a:r>
-              <a:rPr lang="en-US" altLang="zh-TW" dirty="0" err="1"/>
-              <a:t>background.width</a:t>
-            </a:r>
-            <a:r>
-              <a:rPr lang="en-US" altLang="zh-TW" dirty="0"/>
-              <a:t> = </a:t>
-            </a:r>
-            <a:r>
-              <a:rPr lang="en-US" altLang="zh-TW" dirty="0" err="1"/>
-              <a:t>layer.width</a:t>
-            </a:r>
-            <a:r>
-              <a:rPr lang="en-US" altLang="zh-TW" dirty="0"/>
-              <a:t/>
-            </a:r>
-            <a:br>
-              <a:rPr lang="en-US" altLang="zh-TW" dirty="0"/>
-            </a:br>
-            <a:r>
-              <a:rPr lang="en-US" altLang="zh-TW" dirty="0"/>
-              <a:t/>
-            </a:r>
-            <a:br>
-              <a:rPr lang="en-US" altLang="zh-TW" dirty="0"/>
-            </a:br>
-            <a:r>
-              <a:rPr lang="en-US" altLang="zh-TW" dirty="0"/>
-              <a:t>            // </a:t>
-            </a:r>
-            <a:r>
-              <a:rPr lang="zh-TW" altLang="en-US" dirty="0"/>
-              <a:t>加入地圖</a:t>
-            </a:r>
-            <a:r>
               <a:rPr lang="zh-TW" altLang="en-US" dirty="0"/>
               <a:t/>
             </a:r>
@@ -7095,11 +6876,79 @@
               <a:t>            </a:t>
             </a:r>
             <a:r>
+              <a:rPr lang="en-US" altLang="zh-TW" dirty="0"/>
+              <a:t>//</a:t>
+            </a:r>
+            <a:r>
+              <a:rPr lang="zh-TW" altLang="en-US" dirty="0"/>
+              <a:t>加入背景 並宣告背景物件</a:t>
+            </a:r>
+            <a:r>
+              <a:rPr lang="zh-TW" altLang="en-US" dirty="0"/>
+              <a:t/>
+            </a:r>
+            <a:br>
+              <a:rPr lang="zh-TW" altLang="en-US" dirty="0"/>
+            </a:br>
+            <a:r>
+              <a:rPr lang="zh-TW" altLang="en-US" dirty="0"/>
+              <a:t>            </a:t>
+            </a:r>
+            <a:r>
               <a:rPr lang="en-US" altLang="zh-TW" dirty="0" err="1"/>
               <a:t>var</a:t>
             </a:r>
             <a:r>
               <a:rPr lang="en-US" altLang="zh-TW" dirty="0"/>
+              <a:t> background = </a:t>
+            </a:r>
+            <a:r>
+              <a:rPr lang="en-US" altLang="zh-TW" dirty="0" err="1"/>
+              <a:t>phaser.add.sprite</a:t>
+            </a:r>
+            <a:r>
+              <a:rPr lang="en-US" altLang="zh-TW" dirty="0"/>
+              <a:t>(0, 0, 'sky');</a:t>
+            </a:r>
+            <a:r>
+              <a:rPr lang="en-US" altLang="zh-TW" dirty="0"/>
+              <a:t/>
+            </a:r>
+            <a:br>
+              <a:rPr lang="en-US" altLang="zh-TW" dirty="0"/>
+            </a:br>
+            <a:r>
+              <a:rPr lang="en-US" altLang="zh-TW" dirty="0"/>
+              <a:t/>
+            </a:r>
+            <a:br>
+              <a:rPr lang="en-US" altLang="zh-TW" dirty="0"/>
+            </a:br>
+            <a:r>
+              <a:rPr lang="en-US" altLang="zh-TW" dirty="0"/>
+              <a:t>            // </a:t>
+            </a:r>
+            <a:r>
+              <a:rPr lang="zh-TW" altLang="en-US" dirty="0"/>
+              <a:t>加入地圖 宣告地圖物件</a:t>
+            </a:r>
+            <a:r>
+              <a:rPr lang="zh-TW" altLang="en-US" dirty="0"/>
+              <a:t/>
+            </a:r>
+            <a:br>
+              <a:rPr lang="zh-TW" altLang="en-US" dirty="0"/>
+            </a:br>
+            <a:r>
+              <a:rPr lang="zh-TW" altLang="en-US" dirty="0"/>
+              <a:t>            </a:t>
+            </a:r>
+            <a:r>
+              <a:rPr lang="en-US" altLang="zh-TW" dirty="0" err="1"/>
+              <a:t>var</a:t>
+            </a:r>
+            <a:r>
+              <a:rPr lang="en-US" altLang="zh-TW" dirty="0"/>
               <a:t> map = </a:t>
             </a:r>
             <a:r>
@@ -7135,18 +6984,30 @@
             </a:r>
             <a:r>
               <a:rPr lang="en-US" altLang="zh-TW" dirty="0"/>
-              <a:t>');</a:t>
-            </a:r>
-            <a:r>
-              <a:rPr lang="en-US" altLang="zh-TW" dirty="0"/>
+              <a:t>');  //</a:t>
+            </a:r>
+            <a:r>
+              <a:rPr lang="en-US" altLang="zh-TW" dirty="0" err="1"/>
+              <a:t>kenny</a:t>
+            </a:r>
+            <a:r>
+              <a:rPr lang="zh-TW" altLang="en-US" dirty="0"/>
+              <a:t>為地圖素材</a:t>
+            </a:r>
+            <a:r>
+              <a:rPr lang="zh-TW" altLang="en-US" dirty="0"/>
               <a:t/>
             </a:r>
             <a:br>
-              <a:rPr lang="en-US" altLang="zh-TW" dirty="0"/>
-            </a:br>
-            <a:r>
-              <a:rPr lang="en-US" altLang="zh-TW" dirty="0"/>
-              <a:t>            // </a:t>
+              <a:rPr lang="zh-TW" altLang="en-US" dirty="0"/>
+            </a:br>
+            <a:r>
+              <a:rPr lang="zh-TW" altLang="en-US" dirty="0"/>
+              <a:t>            </a:t>
+            </a:r>
+            <a:r>
+              <a:rPr lang="en-US" altLang="zh-TW" dirty="0"/>
+              <a:t>// </a:t>
             </a:r>
             <a:r>
               <a:rPr lang="zh-TW" altLang="en-US" dirty="0"/>
@@ -7316,6 +7177,21 @@
             <a:br>
               <a:rPr lang="en-US" altLang="zh-TW" dirty="0"/>
             </a:br>
+            <a:r>
+              <a:rPr lang="en-US" altLang="zh-TW" dirty="0"/>
+              <a:t/>
+            </a:r>
+            <a:br>
+              <a:rPr lang="en-US" altLang="zh-TW" dirty="0"/>
+            </a:br>
+            <a:r>
+              <a:rPr lang="en-US" altLang="zh-TW" dirty="0"/>
+              <a:t>	//// </a:t>
+            </a:r>
+            <a:r>
+              <a:rPr lang="zh-TW" altLang="en-US" dirty="0"/>
+              <a:t>設定背景和地圖同大小</a:t>
+            </a:r>
             <a:r>
               <a:rPr lang="en-US" altLang="zh-TW" dirty="0"/>
               <a:t/>
@@ -7471,10 +7347,6 @@
               <a:rPr lang="zh-TW" altLang="en-US" dirty="0"/>
               <a:t>啟用人物的物理效果</a:t>
             </a:r>
-            <a:r>
-              <a:rPr lang="zh-TW" altLang="en-US" dirty="0"/>
-              <a:t/>
-            </a:r>
             <a:br>
               <a:rPr lang="zh-TW" altLang="en-US" dirty="0"/>
             </a:br>
@@ -7484,12 +7356,25 @@
             </a:r>
             <a:r>
               <a:rPr lang="en-US" altLang="zh-TW" dirty="0" err="1"/>
-              <a:t>phaser.physics.arcade.enable</a:t>
+              <a:t>phaser.physics.</a:t>
+            </a:r>
+            <a:r>
+              <a:rPr lang="en-US" altLang="zh-TW" dirty="0" err="1">
+                <a:solidFill>
+                  <a:schemeClr val="accent2">
+                    <a:lumMod val="75000"/>
+                  </a:schemeClr>
+                </a:solidFill>
+              </a:rPr>
+              <a:t>arcade.enable</a:t>
             </a:r>
             <a:r>
               <a:rPr lang="en-US" altLang="zh-TW" dirty="0"/>
               <a:t>(player);</a:t>
             </a:r>
+            <a:br>
+              <a:rPr lang="en-US" altLang="zh-TW" dirty="0"/>
+            </a:br>
             <a:r>
               <a:rPr lang="en-US" altLang="zh-TW" dirty="0"/>
               <a:t/>
@@ -7499,6 +7384,46 @@
             </a:br>
             <a:r>
               <a:rPr lang="en-US" altLang="zh-TW" dirty="0"/>
+              <a:t>            // </a:t>
+            </a:r>
+            <a:r>
+              <a:rPr lang="zh-TW" altLang="en-US" dirty="0" smtClean="0"/>
+              <a:t>重力場強度</a:t>
+            </a:r>
+            <a:endParaRPr lang="en-US" altLang="zh-TW" dirty="0" smtClean="0"/>
+          </a:p>
+          <a:p>
+            <a:r>
+              <a:rPr lang="en-US" altLang="zh-TW" dirty="0"/>
+              <a:t>	</a:t>
+            </a:r>
+            <a:r>
+              <a:rPr lang="en-US" altLang="zh-TW" dirty="0" err="1" smtClean="0"/>
+              <a:t>player.body.</a:t>
+            </a:r>
+            <a:r>
+              <a:rPr lang="en-US" altLang="zh-TW" dirty="0" err="1" smtClean="0">
+                <a:solidFill>
+                  <a:schemeClr val="accent2">
+                    <a:lumMod val="75000"/>
+                  </a:schemeClr>
+                </a:solidFill>
+              </a:rPr>
+              <a:t>gravity</a:t>
+            </a:r>
+            <a:r>
+              <a:rPr lang="en-US" altLang="zh-TW" dirty="0" err="1" smtClean="0"/>
+              <a:t>.y</a:t>
+            </a:r>
+            <a:r>
+              <a:rPr lang="en-US" altLang="zh-TW" dirty="0"/>
+              <a:t> = 1200;</a:t>
+            </a:r>
+            <a:br>
+              <a:rPr lang="en-US" altLang="zh-TW" dirty="0"/>
+            </a:br>
+            <a:r>
+              <a:rPr lang="en-US" altLang="zh-TW" dirty="0"/>
               <a:t/>
             </a:r>
             <a:br>
@@ -7506,15 +7431,11 @@
             </a:br>
             <a:r>
               <a:rPr lang="en-US" altLang="zh-TW" dirty="0"/>
-              <a:t>            // y</a:t>
-            </a:r>
-            <a:r>
-              <a:rPr lang="zh-TW" altLang="en-US" dirty="0" smtClean="0"/>
-              <a:t>軸重力加速度</a:t>
+              <a:t>            // </a:t>
             </a:r>
             <a:r>
               <a:rPr lang="zh-TW" altLang="en-US" dirty="0"/>
-              <a:t/>
+              <a:t>向左向右 人物移動時的動畫效果</a:t>
             </a:r>
             <a:br>
               <a:rPr lang="zh-TW" altLang="en-US" dirty="0"/>
@@ -7525,11 +7446,59 @@
             </a:r>
             <a:r>
               <a:rPr lang="en-US" altLang="zh-TW" dirty="0" err="1"/>
-              <a:t>player.body.gravity.y</a:t>
-            </a:r>
-            <a:r>
-              <a:rPr lang="en-US" altLang="zh-TW" dirty="0"/>
-              <a:t> = 1200;</a:t>
+              <a:t>player.</a:t>
+            </a:r>
+            <a:r>
+              <a:rPr lang="en-US" altLang="zh-TW" dirty="0" err="1">
+                <a:solidFill>
+                  <a:schemeClr val="accent2">
+                    <a:lumMod val="75000"/>
+                  </a:schemeClr>
+                </a:solidFill>
+              </a:rPr>
+              <a:t>animations</a:t>
+            </a:r>
+            <a:r>
+              <a:rPr lang="en-US" altLang="zh-TW" dirty="0" err="1"/>
+              <a:t>.add</a:t>
+            </a:r>
+            <a:r>
+              <a:rPr lang="en-US" altLang="zh-TW" dirty="0" smtClean="0"/>
+              <a:t>(‘left’, </a:t>
+            </a:r>
+            <a:r>
+              <a:rPr lang="en-US" altLang="zh-TW" dirty="0"/>
+              <a:t>[0, 1, 2, 3], 10, true);</a:t>
+            </a:r>
+            <a:br>
+              <a:rPr lang="en-US" altLang="zh-TW" dirty="0"/>
+            </a:br>
+            <a:r>
+              <a:rPr lang="en-US" altLang="zh-TW" dirty="0"/>
+              <a:t>            </a:t>
+            </a:r>
+            <a:r>
+              <a:rPr lang="en-US" altLang="zh-TW" dirty="0" err="1"/>
+              <a:t>player.animations.add</a:t>
+            </a:r>
+            <a:r>
+              <a:rPr lang="en-US" altLang="zh-TW" dirty="0" smtClean="0"/>
+              <a:t>(‘right’, </a:t>
+            </a:r>
+            <a:r>
+              <a:rPr lang="en-US" altLang="zh-TW" dirty="0"/>
+              <a:t>[5, 6, 7, 8], 10, true);</a:t>
+            </a:r>
+            <a:br>
+              <a:rPr lang="en-US" altLang="zh-TW" dirty="0"/>
+            </a:br>
+            <a:r>
+              <a:rPr lang="en-US" altLang="zh-TW" dirty="0"/>
+              <a:t>            </a:t>
+            </a:r>
+            <a:r>
+              <a:rPr lang="en-US" altLang="zh-TW" dirty="0" err="1"/>
+              <a:t>player.bringToTop</a:t>
             </a:r>
             <a:r>
               <a:rPr lang="en-US" altLang="zh-TW" dirty="0"/>
@@ -7540,7 +7509,15 @@
             </a:br>
             <a:r>
               <a:rPr lang="en-US" altLang="zh-TW" dirty="0"/>
-              <a:t/>
+              <a:t>            </a:t>
+            </a:r>
+            <a:r>
+              <a:rPr lang="en-US" altLang="zh-TW" dirty="0" err="1"/>
+              <a:t>phaser.camera.follow</a:t>
+            </a:r>
+            <a:r>
+              <a:rPr lang="en-US" altLang="zh-TW" dirty="0"/>
+              <a:t>(player);</a:t>
             </a:r>
             <a:br>
               <a:rPr lang="en-US" altLang="zh-TW" dirty="0"/>
@@ -7550,12 +7527,12 @@
               <a:t>            // </a:t>
             </a:r>
             <a:r>
+              <a:rPr lang="zh-TW" altLang="en-US" dirty="0" smtClean="0"/>
+              <a:t>設定地圖</a:t>
+            </a:r>
+            <a:r>
               <a:rPr lang="zh-TW" altLang="en-US" dirty="0"/>
-              <a:t>向左向右 人物移動時的動畫效果</a:t>
-            </a:r>
-            <a:r>
-              <a:rPr lang="zh-TW" altLang="en-US" dirty="0"/>
-              <a:t/>
+              <a:t>碰撞</a:t>
             </a:r>
             <a:br>
               <a:rPr lang="zh-TW" altLang="en-US" dirty="0"/>
@@ -7566,15 +7543,25 @@
             </a:r>
             <a:r>
               <a:rPr lang="en-US" altLang="zh-TW" dirty="0" err="1"/>
-              <a:t>player.animations.add</a:t>
-            </a:r>
-            <a:r>
-              <a:rPr lang="en-US" altLang="zh-TW" dirty="0"/>
-              <a:t>('left', [0, 1, 2, 3], 10, true);</a:t>
-            </a:r>
-            <a:r>
-              <a:rPr lang="en-US" altLang="zh-TW" dirty="0"/>
-              <a:t/>
+              <a:t>player.body.</a:t>
+            </a:r>
+            <a:r>
+              <a:rPr lang="en-US" altLang="zh-TW" dirty="0" err="1">
+                <a:solidFill>
+                  <a:schemeClr val="accent2">
+                    <a:lumMod val="75000"/>
+                  </a:schemeClr>
+                </a:solidFill>
+              </a:rPr>
+              <a:t>checkCollision</a:t>
+            </a:r>
+            <a:r>
+              <a:rPr lang="en-US" altLang="zh-TW" dirty="0" err="1"/>
+              <a:t>.up</a:t>
+            </a:r>
+            <a:r>
+              <a:rPr lang="en-US" altLang="zh-TW" dirty="0"/>
+              <a:t> = false;</a:t>
             </a:r>
             <a:br>
               <a:rPr lang="en-US" altLang="zh-TW" dirty="0"/>
@@ -7585,102 +7572,11 @@
             </a:r>
             <a:r>
               <a:rPr lang="en-US" altLang="zh-TW" dirty="0" err="1"/>
-              <a:t>player.animations.add</a:t>
-            </a:r>
-            <a:r>
-              <a:rPr lang="en-US" altLang="zh-TW" dirty="0"/>
-              <a:t>('right', [5, 6, 7, 8], 10, true);</a:t>
-            </a:r>
-            <a:r>
-              <a:rPr lang="en-US" altLang="zh-TW" dirty="0"/>
-              <a:t/>
-            </a:r>
-            <a:br>
-              <a:rPr lang="en-US" altLang="zh-TW" dirty="0"/>
-            </a:br>
-            <a:r>
-              <a:rPr lang="en-US" altLang="zh-TW" dirty="0"/>
-              <a:t>            </a:t>
-            </a:r>
-            <a:r>
-              <a:rPr lang="en-US" altLang="zh-TW" dirty="0" err="1"/>
-              <a:t>player.bringToTop</a:t>
-            </a:r>
-            <a:r>
-              <a:rPr lang="en-US" altLang="zh-TW" dirty="0"/>
-              <a:t/>
-            </a:r>
-            <a:br>
-              <a:rPr lang="en-US" altLang="zh-TW" dirty="0"/>
-            </a:br>
-            <a:r>
-              <a:rPr lang="en-US" altLang="zh-TW" dirty="0"/>
-              <a:t>            </a:t>
-            </a:r>
-            <a:r>
-              <a:rPr lang="en-US" altLang="zh-TW" dirty="0" err="1"/>
-              <a:t>phaser.camera.follow</a:t>
-            </a:r>
-            <a:r>
-              <a:rPr lang="en-US" altLang="zh-TW" dirty="0"/>
-              <a:t>(player);</a:t>
-            </a:r>
-            <a:r>
-              <a:rPr lang="en-US" altLang="zh-TW" dirty="0"/>
-              <a:t/>
-            </a:r>
-            <a:br>
-              <a:rPr lang="en-US" altLang="zh-TW" dirty="0"/>
-            </a:br>
-            <a:r>
-              <a:rPr lang="en-US" altLang="zh-TW" dirty="0"/>
-              <a:t>            // </a:t>
-            </a:r>
-            <a:r>
-              <a:rPr lang="zh-TW" altLang="en-US" dirty="0"/>
-              <a:t>地圖碰撞</a:t>
-            </a:r>
-            <a:r>
-              <a:rPr lang="zh-TW" altLang="en-US" dirty="0"/>
-              <a:t/>
-            </a:r>
-            <a:br>
-              <a:rPr lang="zh-TW" altLang="en-US" dirty="0"/>
-            </a:br>
-            <a:r>
-              <a:rPr lang="zh-TW" altLang="en-US" dirty="0"/>
-              <a:t>            </a:t>
-            </a:r>
-            <a:r>
-              <a:rPr lang="en-US" altLang="zh-TW" dirty="0" err="1"/>
-              <a:t>player.body.checkCollision.up</a:t>
+              <a:t>player.body.checkCollision.left</a:t>
             </a:r>
             <a:r>
               <a:rPr lang="en-US" altLang="zh-TW" dirty="0"/>
               <a:t> = false;</a:t>
-            </a:r>
-            <a:r>
-              <a:rPr lang="en-US" altLang="zh-TW" dirty="0"/>
-              <a:t/>
-            </a:r>
-            <a:br>
-              <a:rPr lang="en-US" altLang="zh-TW" dirty="0"/>
-            </a:br>
-            <a:r>
-              <a:rPr lang="en-US" altLang="zh-TW" dirty="0"/>
-              <a:t>            </a:t>
-            </a:r>
-            <a:r>
-              <a:rPr lang="en-US" altLang="zh-TW" dirty="0" err="1"/>
-              <a:t>player.body.checkCollision.left</a:t>
-            </a:r>
-            <a:r>
-              <a:rPr lang="en-US" altLang="zh-TW" dirty="0"/>
-              <a:t> = false;</a:t>
-            </a:r>
-            <a:r>
-              <a:rPr lang="en-US" altLang="zh-TW" dirty="0"/>
-              <a:t/>
             </a:r>
             <a:br>
               <a:rPr lang="en-US" altLang="zh-TW" dirty="0"/>
@@ -7820,7 +7716,7 @@
         </p:spPr>
         <p:txBody>
           <a:bodyPr>
-            <a:normAutofit lnSpcReduction="10000"/>
+            <a:normAutofit fontScale="92500" lnSpcReduction="10000"/>
           </a:bodyPr>
           <a:lstStyle/>
           <a:p>
@@ -7851,6 +7747,39 @@
               <a:rPr lang="en-US" altLang="zh-TW" dirty="0"/>
               <a:t>(100, 350, 'monster');</a:t>
             </a:r>
+            <a:br>
+              <a:rPr lang="en-US" altLang="zh-TW" dirty="0"/>
+            </a:br>
+            <a:r>
+              <a:rPr lang="en-US" altLang="zh-TW" dirty="0"/>
+              <a:t>            </a:t>
+            </a:r>
+            <a:r>
+              <a:rPr lang="en-US" altLang="zh-TW" dirty="0" err="1"/>
+              <a:t>phaser.physics.arcade.enable</a:t>
+            </a:r>
+            <a:r>
+              <a:rPr lang="en-US" altLang="zh-TW" dirty="0"/>
+              <a:t>(monster</a:t>
+            </a:r>
+            <a:r>
+              <a:rPr lang="en-US" altLang="zh-TW" dirty="0" smtClean="0"/>
+              <a:t>);</a:t>
+            </a:r>
+          </a:p>
+          <a:p>
+            <a:r>
+              <a:rPr lang="en-US" altLang="zh-TW" dirty="0"/>
+              <a:t>	</a:t>
+            </a:r>
+            <a:r>
+              <a:rPr lang="en-US" altLang="zh-TW" dirty="0" smtClean="0"/>
+              <a:t>//</a:t>
+            </a:r>
+            <a:r>
+              <a:rPr lang="zh-TW" altLang="en-US" dirty="0" smtClean="0"/>
+              <a:t>彈跳效果</a:t>
+            </a:r>
             <a:r>
               <a:rPr lang="en-US" altLang="zh-TW" dirty="0"/>
               <a:t/>
@@ -7864,12 +7793,45 @@
             </a:r>
             <a:r>
               <a:rPr lang="en-US" altLang="zh-TW" dirty="0" err="1"/>
-              <a:t>phaser.physics.arcade.enable</a:t>
-            </a:r>
-            <a:r>
-              <a:rPr lang="en-US" altLang="zh-TW" dirty="0"/>
-              <a:t>(monster);</a:t>
-            </a:r>
+              <a:t>monster.body.bounce.y</a:t>
+            </a:r>
+            <a:r>
+              <a:rPr lang="en-US" altLang="zh-TW" dirty="0"/>
+              <a:t> = 0.2;</a:t>
+            </a:r>
+            <a:br>
+              <a:rPr lang="en-US" altLang="zh-TW" dirty="0"/>
+            </a:br>
+            <a:r>
+              <a:rPr lang="en-US" altLang="zh-TW" dirty="0"/>
+              <a:t>            </a:t>
+            </a:r>
+            <a:r>
+              <a:rPr lang="en-US" altLang="zh-TW" dirty="0" err="1"/>
+              <a:t>monster.body.gravity.y</a:t>
+            </a:r>
+            <a:r>
+              <a:rPr lang="en-US" altLang="zh-TW" dirty="0"/>
+              <a:t> = 300;</a:t>
+            </a:r>
+            <a:br>
+              <a:rPr lang="en-US" altLang="zh-TW" dirty="0"/>
+            </a:br>
+            <a:r>
+              <a:rPr lang="en-US" altLang="zh-TW" dirty="0"/>
+              <a:t>            </a:t>
+            </a:r>
+            <a:r>
+              <a:rPr lang="en-US" altLang="zh-TW" dirty="0" err="1"/>
+              <a:t>monster.body.collideWorldBounds</a:t>
+            </a:r>
+            <a:r>
+              <a:rPr lang="en-US" altLang="zh-TW" dirty="0"/>
+              <a:t> = true;</a:t>
+            </a:r>
+            <a:br>
+              <a:rPr lang="en-US" altLang="zh-TW" dirty="0"/>
+            </a:br>
             <a:r>
               <a:rPr lang="en-US" altLang="zh-TW" dirty="0"/>
               <a:t/>
@@ -7883,12 +7845,90 @@
             </a:r>
             <a:r>
               <a:rPr lang="en-US" altLang="zh-TW" dirty="0" err="1"/>
-              <a:t>monster.body.bounce.y</a:t>
-            </a:r>
-            <a:r>
-              <a:rPr lang="en-US" altLang="zh-TW" dirty="0"/>
-              <a:t> = 0.2;</a:t>
-            </a:r>
+              <a:t>monster.animations.add</a:t>
+            </a:r>
+            <a:r>
+              <a:rPr lang="en-US" altLang="zh-TW" dirty="0"/>
+              <a:t>('left', [0, 1], 10, true);</a:t>
+            </a:r>
+            <a:br>
+              <a:rPr lang="en-US" altLang="zh-TW" dirty="0"/>
+            </a:br>
+            <a:r>
+              <a:rPr lang="en-US" altLang="zh-TW" dirty="0"/>
+              <a:t>            </a:t>
+            </a:r>
+            <a:r>
+              <a:rPr lang="en-US" altLang="zh-TW" dirty="0" err="1"/>
+              <a:t>monster.animations.add</a:t>
+            </a:r>
+            <a:r>
+              <a:rPr lang="en-US" altLang="zh-TW" dirty="0"/>
+              <a:t>('right', [2, 3], 10, true);</a:t>
+            </a:r>
+            <a:br>
+              <a:rPr lang="en-US" altLang="zh-TW" dirty="0"/>
+            </a:br>
+            <a:r>
+              <a:rPr lang="en-US" altLang="zh-TW" dirty="0"/>
+              <a:t>            </a:t>
+            </a:r>
+            <a:r>
+              <a:rPr lang="en-US" altLang="zh-TW" dirty="0" err="1"/>
+              <a:t>monster.bringToTop</a:t>
+            </a:r>
+            <a:r>
+              <a:rPr lang="en-US" altLang="zh-TW" dirty="0"/>
+              <a:t>;</a:t>
+            </a:r>
+            <a:br>
+              <a:rPr lang="en-US" altLang="zh-TW" dirty="0"/>
+            </a:br>
+            <a:r>
+              <a:rPr lang="en-US" altLang="zh-TW" dirty="0"/>
+              <a:t>            </a:t>
+            </a:r>
+            <a:r>
+              <a:rPr lang="en-US" altLang="zh-TW" dirty="0" err="1"/>
+              <a:t>monster.body.checkCollision.up</a:t>
+            </a:r>
+            <a:r>
+              <a:rPr lang="en-US" altLang="zh-TW" dirty="0"/>
+              <a:t> = false;</a:t>
+            </a:r>
+            <a:br>
+              <a:rPr lang="en-US" altLang="zh-TW" dirty="0"/>
+            </a:br>
+            <a:r>
+              <a:rPr lang="en-US" altLang="zh-TW" dirty="0"/>
+              <a:t>            </a:t>
+            </a:r>
+            <a:r>
+              <a:rPr lang="en-US" altLang="zh-TW" dirty="0" err="1"/>
+              <a:t>monster.body.checkCollision.left</a:t>
+            </a:r>
+            <a:r>
+              <a:rPr lang="en-US" altLang="zh-TW" dirty="0"/>
+              <a:t> = false;</a:t>
+            </a:r>
+            <a:br>
+              <a:rPr lang="en-US" altLang="zh-TW" dirty="0"/>
+            </a:br>
+            <a:r>
+              <a:rPr lang="en-US" altLang="zh-TW" dirty="0"/>
+              <a:t>            </a:t>
+            </a:r>
+            <a:r>
+              <a:rPr lang="en-US" altLang="zh-TW" dirty="0" err="1"/>
+              <a:t>monster.body.checkCollision.right</a:t>
+            </a:r>
+            <a:r>
+              <a:rPr lang="en-US" altLang="zh-TW" dirty="0"/>
+              <a:t> = false;</a:t>
+            </a:r>
+            <a:br>
+              <a:rPr lang="en-US" altLang="zh-TW" dirty="0"/>
+            </a:br>
             <a:r>
               <a:rPr lang="en-US" altLang="zh-TW" dirty="0"/>
               <a:t/>
@@ -7902,181 +7942,11 @@
             </a:r>
             <a:r>
               <a:rPr lang="en-US" altLang="zh-TW" dirty="0" err="1"/>
-              <a:t>monster.body.gravity.y</a:t>
-            </a:r>
-            <a:r>
-              <a:rPr lang="en-US" altLang="zh-TW" dirty="0"/>
-              <a:t> = 300;</a:t>
-            </a:r>
-            <a:r>
-              <a:rPr lang="en-US" altLang="zh-TW" dirty="0"/>
-              <a:t/>
-            </a:r>
-            <a:br>
-              <a:rPr lang="en-US" altLang="zh-TW" dirty="0"/>
-            </a:br>
-            <a:r>
-              <a:rPr lang="en-US" altLang="zh-TW" dirty="0"/>
-              <a:t>            </a:t>
-            </a:r>
-            <a:r>
-              <a:rPr lang="en-US" altLang="zh-TW" dirty="0" err="1"/>
-              <a:t>monster.body.collideWorldBounds</a:t>
-            </a:r>
-            <a:r>
-              <a:rPr lang="en-US" altLang="zh-TW" dirty="0"/>
-              <a:t> = true;</a:t>
-            </a:r>
-            <a:r>
-              <a:rPr lang="en-US" altLang="zh-TW" dirty="0"/>
-              <a:t/>
-            </a:r>
-            <a:br>
-              <a:rPr lang="en-US" altLang="zh-TW" dirty="0"/>
-            </a:br>
-            <a:r>
-              <a:rPr lang="en-US" altLang="zh-TW" dirty="0"/>
-              <a:t/>
-            </a:r>
-            <a:br>
-              <a:rPr lang="en-US" altLang="zh-TW" dirty="0"/>
-            </a:br>
-            <a:r>
-              <a:rPr lang="en-US" altLang="zh-TW" dirty="0"/>
-              <a:t>            </a:t>
-            </a:r>
-            <a:r>
-              <a:rPr lang="en-US" altLang="zh-TW" dirty="0" err="1"/>
-              <a:t>monster.animations.add</a:t>
-            </a:r>
-            <a:r>
-              <a:rPr lang="en-US" altLang="zh-TW" dirty="0"/>
-              <a:t>('left', [0, 1], 10, true);</a:t>
-            </a:r>
-            <a:r>
-              <a:rPr lang="en-US" altLang="zh-TW" dirty="0"/>
-              <a:t/>
-            </a:r>
-            <a:br>
-              <a:rPr lang="en-US" altLang="zh-TW" dirty="0"/>
-            </a:br>
-            <a:r>
-              <a:rPr lang="en-US" altLang="zh-TW" dirty="0"/>
-              <a:t>            </a:t>
-            </a:r>
-            <a:r>
-              <a:rPr lang="en-US" altLang="zh-TW" dirty="0" err="1"/>
-              <a:t>monster.animations.add</a:t>
-            </a:r>
-            <a:r>
-              <a:rPr lang="en-US" altLang="zh-TW" dirty="0"/>
-              <a:t>('right', [2, 3], 10, true);</a:t>
-            </a:r>
-            <a:r>
-              <a:rPr lang="en-US" altLang="zh-TW" dirty="0"/>
-              <a:t/>
-            </a:r>
-            <a:br>
-              <a:rPr lang="en-US" altLang="zh-TW" dirty="0"/>
-            </a:br>
-            <a:r>
-              <a:rPr lang="en-US" altLang="zh-TW" dirty="0"/>
-              <a:t>            </a:t>
-            </a:r>
-            <a:r>
-              <a:rPr lang="en-US" altLang="zh-TW" dirty="0" err="1"/>
-              <a:t>monster.bringToTop</a:t>
-            </a:r>
-            <a:r>
-              <a:rPr lang="en-US" altLang="zh-TW" dirty="0"/>
-              <a:t>;</a:t>
-            </a:r>
-            <a:r>
-              <a:rPr lang="en-US" altLang="zh-TW" dirty="0"/>
-              <a:t/>
-            </a:r>
-            <a:br>
-              <a:rPr lang="en-US" altLang="zh-TW" dirty="0"/>
-            </a:br>
-            <a:r>
-              <a:rPr lang="en-US" altLang="zh-TW" dirty="0"/>
-              <a:t>            </a:t>
-            </a:r>
-            <a:r>
-              <a:rPr lang="en-US" altLang="zh-TW" dirty="0" err="1"/>
-              <a:t>monster.body.checkCollision.up</a:t>
-            </a:r>
-            <a:r>
-              <a:rPr lang="en-US" altLang="zh-TW" dirty="0"/>
-              <a:t> = false;</a:t>
-            </a:r>
-            <a:r>
-              <a:rPr lang="en-US" altLang="zh-TW" dirty="0"/>
-              <a:t/>
-            </a:r>
-            <a:br>
-              <a:rPr lang="en-US" altLang="zh-TW" dirty="0"/>
-            </a:br>
-            <a:r>
-              <a:rPr lang="en-US" altLang="zh-TW" dirty="0"/>
-              <a:t>            </a:t>
-            </a:r>
-            <a:r>
-              <a:rPr lang="en-US" altLang="zh-TW" dirty="0" err="1"/>
-              <a:t>monster.body.checkCollision.left</a:t>
-            </a:r>
-            <a:r>
-              <a:rPr lang="en-US" altLang="zh-TW" dirty="0"/>
-              <a:t> = false;</a:t>
-            </a:r>
-            <a:r>
-              <a:rPr lang="en-US" altLang="zh-TW" dirty="0"/>
-              <a:t/>
-            </a:r>
-            <a:br>
-              <a:rPr lang="en-US" altLang="zh-TW" dirty="0"/>
-            </a:br>
-            <a:r>
-              <a:rPr lang="en-US" altLang="zh-TW" dirty="0"/>
-              <a:t>            </a:t>
-            </a:r>
-            <a:r>
-              <a:rPr lang="en-US" altLang="zh-TW" dirty="0" err="1"/>
-              <a:t>monster.body.checkCollision.right</a:t>
-            </a:r>
-            <a:r>
-              <a:rPr lang="en-US" altLang="zh-TW" dirty="0"/>
-              <a:t> = false;</a:t>
-            </a:r>
-            <a:r>
-              <a:rPr lang="en-US" altLang="zh-TW" dirty="0"/>
-              <a:t/>
-            </a:r>
-            <a:br>
-              <a:rPr lang="en-US" altLang="zh-TW" dirty="0"/>
-            </a:br>
-            <a:r>
-              <a:rPr lang="en-US" altLang="zh-TW" dirty="0"/>
-              <a:t/>
-            </a:r>
-            <a:br>
-              <a:rPr lang="en-US" altLang="zh-TW" dirty="0"/>
-            </a:br>
-            <a:r>
-              <a:rPr lang="en-US" altLang="zh-TW" dirty="0"/>
-              <a:t>            </a:t>
-            </a:r>
-            <a:r>
-              <a:rPr lang="en-US" altLang="zh-TW" dirty="0" err="1"/>
               <a:t>monster.body.velocity.x</a:t>
             </a:r>
             <a:r>
               <a:rPr lang="en-US" altLang="zh-TW" dirty="0"/>
               <a:t> = 100;</a:t>
-            </a:r>
-            <a:r>
-              <a:rPr lang="en-US" altLang="zh-TW" dirty="0"/>
-              <a:t/>
             </a:r>
             <a:br>
               <a:rPr lang="en-US" altLang="zh-TW" dirty="0"/>
@@ -8252,15 +8122,49 @@
               <a:t>phaser.add.group</a:t>
             </a:r>
             <a:r>
-              <a:rPr lang="en-US" altLang="zh-TW" dirty="0"/>
+              <a:rPr lang="en-US" altLang="zh-TW" dirty="0" smtClean="0"/>
               <a:t>();</a:t>
             </a:r>
             <a:r>
-              <a:rPr lang="en-US" altLang="zh-TW" dirty="0"/>
+              <a:rPr lang="zh-TW" altLang="en-US" dirty="0" smtClean="0"/>
+              <a:t>          </a:t>
+            </a:r>
+            <a:r>
+              <a:rPr lang="en-US" altLang="zh-TW" dirty="0" smtClean="0"/>
+              <a:t>//</a:t>
+            </a:r>
+            <a:r>
+              <a:rPr lang="zh-TW" altLang="en-US" dirty="0" smtClean="0"/>
+              <a:t> </a:t>
+            </a:r>
+            <a:r>
+              <a:rPr lang="en-US" altLang="zh-TW" dirty="0" smtClean="0">
+                <a:hlinkClick r:id="rId2"/>
+              </a:rPr>
+              <a:t>group</a:t>
+            </a:r>
+            <a:r>
+              <a:rPr lang="zh-TW" altLang="en-US" dirty="0" smtClean="0">
+                <a:hlinkClick r:id="rId2"/>
+              </a:rPr>
+              <a:t>的用途</a:t>
+            </a:r>
+            <a:r>
+              <a:rPr lang="en-US" altLang="zh-TW" dirty="0" smtClean="0">
+                <a:hlinkClick r:id="rId2"/>
+              </a:rPr>
+              <a:t>??</a:t>
+            </a:r>
+            <a:r>
+              <a:rPr lang="en-US" altLang="zh-TW" dirty="0">
+                <a:hlinkClick r:id="rId2"/>
+              </a:rPr>
               <a:t/>
             </a:r>
             <a:br>
-              <a:rPr lang="en-US" altLang="zh-TW" dirty="0"/>
+              <a:rPr lang="en-US" altLang="zh-TW" dirty="0">
+                <a:hlinkClick r:id="rId2"/>
+              </a:rPr>
             </a:br>
             <a:r>
               <a:rPr lang="en-US" altLang="zh-TW" dirty="0"/>
@@ -8296,10 +8200,6 @@
               <a:rPr lang="en-US" altLang="zh-TW" dirty="0"/>
               <a:t> = true;</a:t>
             </a:r>
-            <a:r>
-              <a:rPr lang="en-US" altLang="zh-TW" dirty="0"/>
-              <a:t/>
-            </a:r>
             <a:br>
               <a:rPr lang="en-US" altLang="zh-TW" dirty="0"/>
             </a:br>
@@ -8314,10 +8214,6 @@
             <a:r>
               <a:rPr lang="en-US" altLang="zh-TW" dirty="0"/>
               <a:t>;</a:t>
-            </a:r>
-            <a:r>
-              <a:rPr lang="en-US" altLang="zh-TW" dirty="0"/>
-              <a:t/>
             </a:r>
             <a:br>
               <a:rPr lang="en-US" altLang="zh-TW" dirty="0"/>
@@ -8396,10 +8292,6 @@
               <a:rPr lang="en-US" altLang="zh-TW" dirty="0"/>
               <a:t>++)</a:t>
             </a:r>
-            <a:r>
-              <a:rPr lang="en-US" altLang="zh-TW" dirty="0"/>
-              <a:t/>
-            </a:r>
             <a:br>
               <a:rPr lang="en-US" altLang="zh-TW" dirty="0"/>
             </a:br>
@@ -8424,7 +8316,21 @@
             </a:r>
             <a:r>
               <a:rPr lang="zh-TW" altLang="en-US" dirty="0" smtClean="0"/>
-              <a:t>每顆星星之間距離相等</a:t>
+              <a:t>每顆星星之間</a:t>
+            </a:r>
+            <a:r>
+              <a:rPr lang="zh-TW" altLang="en-US" dirty="0" smtClean="0">
+                <a:solidFill>
+                  <a:schemeClr val="accent2">
+                    <a:lumMod val="75000"/>
+                  </a:schemeClr>
+                </a:solidFill>
+              </a:rPr>
+              <a:t>距離</a:t>
+            </a:r>
+            <a:r>
+              <a:rPr lang="zh-TW" altLang="en-US" dirty="0" smtClean="0"/>
+              <a:t>相等</a:t>
             </a:r>
             <a:r>
               <a:rPr lang="en-US" altLang="zh-TW" dirty="0"/>
@@ -8454,12 +8360,42 @@
               <a:t>(</a:t>
             </a:r>
             <a:r>
-              <a:rPr lang="en-US" altLang="zh-TW" dirty="0" err="1"/>
+              <a:rPr lang="en-US" altLang="zh-TW" dirty="0" err="1">
+                <a:solidFill>
+                  <a:schemeClr val="accent2">
+                    <a:lumMod val="75000"/>
+                  </a:schemeClr>
+                </a:solidFill>
+              </a:rPr>
               <a:t>i</a:t>
             </a:r>
             <a:r>
-              <a:rPr lang="en-US" altLang="zh-TW" dirty="0"/>
-              <a:t> * 70, 0, </a:t>
+              <a:rPr lang="en-US" altLang="zh-TW" dirty="0">
+                <a:solidFill>
+                  <a:schemeClr val="accent2">
+                    <a:lumMod val="75000"/>
+                  </a:schemeClr>
+                </a:solidFill>
+              </a:rPr>
+              <a:t> * 70</a:t>
+            </a:r>
+            <a:r>
+              <a:rPr lang="en-US" altLang="zh-TW" dirty="0"/>
+              <a:t>, </a:t>
+            </a:r>
+            <a:r>
+              <a:rPr lang="en-US" altLang="zh-TW" dirty="0">
+                <a:solidFill>
+                  <a:schemeClr val="accent2">
+                    <a:lumMod val="75000"/>
+                  </a:schemeClr>
+                </a:solidFill>
+              </a:rPr>
+              <a:t>0</a:t>
+            </a:r>
+            <a:r>
+              <a:rPr lang="en-US" altLang="zh-TW" dirty="0"/>
+              <a:t>, </a:t>
             </a:r>
             <a:r>
               <a:rPr lang="en-US" altLang="zh-TW" dirty="0" smtClean="0"/>
@@ -8484,16 +8420,12 @@
               <a:t>                //  </a:t>
             </a:r>
             <a:r>
-              <a:rPr lang="zh-TW" altLang="en-US" dirty="0" smtClean="0"/>
-              <a:t>星星的</a:t>
-            </a:r>
-            <a:r>
-              <a:rPr lang="en-US" altLang="zh-TW" dirty="0" smtClean="0"/>
-              <a:t>y</a:t>
-            </a:r>
-            <a:r>
-              <a:rPr lang="zh-TW" altLang="en-US" dirty="0" smtClean="0"/>
-              <a:t>軸重力加速度</a:t>
+              <a:rPr lang="zh-TW" altLang="en-US" smtClean="0"/>
+              <a:t>星星</a:t>
+            </a:r>
+            <a:r>
+              <a:rPr lang="zh-TW" altLang="en-US" smtClean="0"/>
+              <a:t>的重力加速度</a:t>
             </a:r>
             <a:r>
               <a:rPr lang="en-US" altLang="zh-TW" dirty="0" smtClean="0"/>
@@ -8514,10 +8446,6 @@
               <a:rPr lang="en-US" altLang="zh-TW" dirty="0"/>
               <a:t> = 300;</a:t>
             </a:r>
-            <a:r>
-              <a:rPr lang="en-US" altLang="zh-TW" dirty="0"/>
-              <a:t/>
-            </a:r>
             <a:br>
               <a:rPr lang="en-US" altLang="zh-TW" dirty="0"/>
             </a:br>
@@ -8563,20 +8491,12 @@
               <a:rPr lang="en-US" altLang="zh-TW" dirty="0"/>
               <a:t>() * 0.2;</a:t>
             </a:r>
-            <a:r>
-              <a:rPr lang="en-US" altLang="zh-TW" dirty="0"/>
-              <a:t/>
-            </a:r>
             <a:br>
               <a:rPr lang="en-US" altLang="zh-TW" dirty="0"/>
             </a:br>
             <a:r>
               <a:rPr lang="en-US" altLang="zh-TW" dirty="0"/>
               <a:t>            }</a:t>
-            </a:r>
-            <a:r>
-              <a:rPr lang="en-US" altLang="zh-TW" dirty="0"/>
-              <a:t/>
             </a:r>
             <a:br>
               <a:rPr lang="en-US" altLang="zh-TW" dirty="0"/>
@@ -8607,10 +8527,6 @@
             <a:r>
               <a:rPr lang="en-US" altLang="zh-TW" dirty="0"/>
               <a:t> = 0;</a:t>
-            </a:r>
-            <a:r>
-              <a:rPr lang="en-US" altLang="zh-TW" dirty="0"/>
-              <a:t/>
             </a:r>
             <a:br>
               <a:rPr lang="en-US" altLang="zh-TW" dirty="0"/>
@@ -8758,7 +8674,21 @@
             </a:r>
             <a:r>
               <a:rPr lang="en-US" altLang="zh-TW" sz="2400" dirty="0" err="1"/>
-              <a:t>phaser.input.keyboard.createCursorKeys</a:t>
+              <a:t>phaser.input.</a:t>
+            </a:r>
+            <a:r>
+              <a:rPr lang="en-US" altLang="zh-TW" sz="2400" dirty="0" err="1">
+                <a:solidFill>
+                  <a:schemeClr val="accent2">
+                    <a:lumMod val="75000"/>
+                  </a:schemeClr>
+                </a:solidFill>
+              </a:rPr>
+              <a:t>keyboard</a:t>
+            </a:r>
+            <a:r>
+              <a:rPr lang="en-US" altLang="zh-TW" sz="2400" dirty="0" err="1"/>
+              <a:t>.createCursorKeys</a:t>
             </a:r>
             <a:r>
               <a:rPr lang="en-US" altLang="zh-TW" sz="2400" dirty="0"/>
